--- a/images/banner.pptx
+++ b/images/banner.pptx
@@ -104,6 +104,11 @@
       </a:defRPr>
     </a:lvl9pPr>
   </p:defaultTextStyle>
+  <p:extLst>
+    <p:ext uri="{EFAFB233-063F-42B5-8137-9DF3F51BA10A}">
+      <p15:sldGuideLst xmlns:p15="http://schemas.microsoft.com/office/powerpoint/2012/main"/>
+    </p:ext>
+  </p:extLst>
 </p:presentation>
 </file>
 
@@ -256,7 +261,7 @@
           <a:p>
             <a:fld id="{D1D3205E-6E89-443C-B302-4693E120D7F3}" type="datetimeFigureOut">
               <a:rPr lang="en-SG" smtClean="0"/>
-              <a:t>19/1/2020</a:t>
+              <a:t>11/2/2020</a:t>
             </a:fld>
             <a:endParaRPr lang="en-SG"/>
           </a:p>
@@ -456,7 +461,7 @@
           <a:p>
             <a:fld id="{D1D3205E-6E89-443C-B302-4693E120D7F3}" type="datetimeFigureOut">
               <a:rPr lang="en-SG" smtClean="0"/>
-              <a:t>19/1/2020</a:t>
+              <a:t>11/2/2020</a:t>
             </a:fld>
             <a:endParaRPr lang="en-SG"/>
           </a:p>
@@ -666,7 +671,7 @@
           <a:p>
             <a:fld id="{D1D3205E-6E89-443C-B302-4693E120D7F3}" type="datetimeFigureOut">
               <a:rPr lang="en-SG" smtClean="0"/>
-              <a:t>19/1/2020</a:t>
+              <a:t>11/2/2020</a:t>
             </a:fld>
             <a:endParaRPr lang="en-SG"/>
           </a:p>
@@ -866,7 +871,7 @@
           <a:p>
             <a:fld id="{D1D3205E-6E89-443C-B302-4693E120D7F3}" type="datetimeFigureOut">
               <a:rPr lang="en-SG" smtClean="0"/>
-              <a:t>19/1/2020</a:t>
+              <a:t>11/2/2020</a:t>
             </a:fld>
             <a:endParaRPr lang="en-SG"/>
           </a:p>
@@ -1142,7 +1147,7 @@
           <a:p>
             <a:fld id="{D1D3205E-6E89-443C-B302-4693E120D7F3}" type="datetimeFigureOut">
               <a:rPr lang="en-SG" smtClean="0"/>
-              <a:t>19/1/2020</a:t>
+              <a:t>11/2/2020</a:t>
             </a:fld>
             <a:endParaRPr lang="en-SG"/>
           </a:p>
@@ -1410,7 +1415,7 @@
           <a:p>
             <a:fld id="{D1D3205E-6E89-443C-B302-4693E120D7F3}" type="datetimeFigureOut">
               <a:rPr lang="en-SG" smtClean="0"/>
-              <a:t>19/1/2020</a:t>
+              <a:t>11/2/2020</a:t>
             </a:fld>
             <a:endParaRPr lang="en-SG"/>
           </a:p>
@@ -1825,7 +1830,7 @@
           <a:p>
             <a:fld id="{D1D3205E-6E89-443C-B302-4693E120D7F3}" type="datetimeFigureOut">
               <a:rPr lang="en-SG" smtClean="0"/>
-              <a:t>19/1/2020</a:t>
+              <a:t>11/2/2020</a:t>
             </a:fld>
             <a:endParaRPr lang="en-SG"/>
           </a:p>
@@ -1967,7 +1972,7 @@
           <a:p>
             <a:fld id="{D1D3205E-6E89-443C-B302-4693E120D7F3}" type="datetimeFigureOut">
               <a:rPr lang="en-SG" smtClean="0"/>
-              <a:t>19/1/2020</a:t>
+              <a:t>11/2/2020</a:t>
             </a:fld>
             <a:endParaRPr lang="en-SG"/>
           </a:p>
@@ -2080,7 +2085,7 @@
           <a:p>
             <a:fld id="{D1D3205E-6E89-443C-B302-4693E120D7F3}" type="datetimeFigureOut">
               <a:rPr lang="en-SG" smtClean="0"/>
-              <a:t>19/1/2020</a:t>
+              <a:t>11/2/2020</a:t>
             </a:fld>
             <a:endParaRPr lang="en-SG"/>
           </a:p>
@@ -2393,7 +2398,7 @@
           <a:p>
             <a:fld id="{D1D3205E-6E89-443C-B302-4693E120D7F3}" type="datetimeFigureOut">
               <a:rPr lang="en-SG" smtClean="0"/>
-              <a:t>19/1/2020</a:t>
+              <a:t>11/2/2020</a:t>
             </a:fld>
             <a:endParaRPr lang="en-SG"/>
           </a:p>
@@ -2682,7 +2687,7 @@
           <a:p>
             <a:fld id="{D1D3205E-6E89-443C-B302-4693E120D7F3}" type="datetimeFigureOut">
               <a:rPr lang="en-SG" smtClean="0"/>
-              <a:t>19/1/2020</a:t>
+              <a:t>11/2/2020</a:t>
             </a:fld>
             <a:endParaRPr lang="en-SG"/>
           </a:p>
@@ -2925,7 +2930,7 @@
           <a:p>
             <a:fld id="{D1D3205E-6E89-443C-B302-4693E120D7F3}" type="datetimeFigureOut">
               <a:rPr lang="en-SG" smtClean="0"/>
-              <a:t>19/1/2020</a:t>
+              <a:t>11/2/2020</a:t>
             </a:fld>
             <a:endParaRPr lang="en-SG"/>
           </a:p>
@@ -3344,6 +3349,76 @@
       </p:grpSpPr>
       <p:pic>
         <p:nvPicPr>
+          <p:cNvPr id="24" name="图片 3">
+            <a:extLst>
+              <a:ext uri="{FF2B5EF4-FFF2-40B4-BE49-F238E27FC236}">
+                <a16:creationId xmlns:a16="http://schemas.microsoft.com/office/drawing/2014/main" id="{5E2D2984-A7F4-4877-8093-5B18823DB077}"/>
+              </a:ext>
+            </a:extLst>
+          </p:cNvPr>
+          <p:cNvPicPr>
+            <a:picLocks noChangeAspect="1"/>
+          </p:cNvPicPr>
+          <p:nvPr/>
+        </p:nvPicPr>
+        <p:blipFill rotWithShape="1">
+          <a:blip r:embed="rId2" cstate="print">
+            <a:extLst>
+              <a:ext uri="{28A0092B-C50C-407E-A947-70E740481C1C}">
+                <a14:useLocalDpi xmlns:a14="http://schemas.microsoft.com/office/drawing/2010/main" val="0"/>
+              </a:ext>
+            </a:extLst>
+          </a:blip>
+          <a:srcRect t="53288" r="92368" b="11321"/>
+          <a:stretch/>
+        </p:blipFill>
+        <p:spPr>
+          <a:xfrm flipH="1">
+            <a:off x="1346456" y="3701201"/>
+            <a:ext cx="1181228" cy="1451637"/>
+          </a:xfrm>
+          <a:prstGeom prst="rect">
+            <a:avLst/>
+          </a:prstGeom>
+        </p:spPr>
+      </p:pic>
+      <p:pic>
+        <p:nvPicPr>
+          <p:cNvPr id="6" name="图片 3">
+            <a:extLst>
+              <a:ext uri="{FF2B5EF4-FFF2-40B4-BE49-F238E27FC236}">
+                <a16:creationId xmlns:a16="http://schemas.microsoft.com/office/drawing/2014/main" id="{D8A8000D-615B-4324-B50E-0BDDBB3CA80A}"/>
+              </a:ext>
+            </a:extLst>
+          </p:cNvPr>
+          <p:cNvPicPr>
+            <a:picLocks noChangeAspect="1"/>
+          </p:cNvPicPr>
+          <p:nvPr/>
+        </p:nvPicPr>
+        <p:blipFill rotWithShape="1">
+          <a:blip r:embed="rId2" cstate="print">
+            <a:extLst>
+              <a:ext uri="{28A0092B-C50C-407E-A947-70E740481C1C}">
+                <a14:useLocalDpi xmlns:a14="http://schemas.microsoft.com/office/drawing/2010/main" val="0"/>
+              </a:ext>
+            </a:extLst>
+          </a:blip>
+          <a:srcRect t="53288" b="11320"/>
+          <a:stretch/>
+        </p:blipFill>
+        <p:spPr>
+          <a:xfrm>
+            <a:off x="2524270" y="3701201"/>
+            <a:ext cx="7291569" cy="1451637"/>
+          </a:xfrm>
+          <a:prstGeom prst="rect">
+            <a:avLst/>
+          </a:prstGeom>
+        </p:spPr>
+      </p:pic>
+      <p:pic>
+        <p:nvPicPr>
           <p:cNvPr id="5" name="Picture 4">
             <a:extLst>
               <a:ext uri="{FF2B5EF4-FFF2-40B4-BE49-F238E27FC236}">
@@ -3357,7 +3432,7 @@
           <p:nvPr/>
         </p:nvPicPr>
         <p:blipFill>
-          <a:blip r:embed="rId2">
+          <a:blip r:embed="rId3">
             <a:extLst>
               <a:ext uri="{28A0092B-C50C-407E-A947-70E740481C1C}">
                 <a14:useLocalDpi xmlns:a14="http://schemas.microsoft.com/office/drawing/2010/main" val="0"/>
@@ -3370,7 +3445,7 @@
         </p:blipFill>
         <p:spPr>
           <a:xfrm>
-            <a:off x="1346455" y="1572419"/>
+            <a:off x="1282061" y="323407"/>
             <a:ext cx="8469384" cy="1733460"/>
           </a:xfrm>
           <a:prstGeom prst="rect">
@@ -3392,7 +3467,7 @@
         </p:nvSpPr>
         <p:spPr>
           <a:xfrm>
-            <a:off x="1472454" y="1873744"/>
+            <a:off x="1408060" y="624732"/>
             <a:ext cx="1611940" cy="1151510"/>
           </a:xfrm>
           <a:prstGeom prst="roundRect">
@@ -3444,7 +3519,7 @@
           <p:nvPr/>
         </p:nvPicPr>
         <p:blipFill rotWithShape="1">
-          <a:blip r:embed="rId3">
+          <a:blip r:embed="rId4">
             <a:extLst>
               <a:ext uri="{28A0092B-C50C-407E-A947-70E740481C1C}">
                 <a14:useLocalDpi xmlns:a14="http://schemas.microsoft.com/office/drawing/2010/main" val="0"/>
@@ -3456,7 +3531,7 @@
         </p:blipFill>
         <p:spPr>
           <a:xfrm>
-            <a:off x="1423115" y="1687773"/>
+            <a:off x="1358721" y="438761"/>
             <a:ext cx="1844594" cy="1261489"/>
           </a:xfrm>
           <a:prstGeom prst="rect">
@@ -3478,7 +3553,7 @@
         </p:nvSpPr>
         <p:spPr>
           <a:xfrm>
-            <a:off x="6537278" y="1873744"/>
+            <a:off x="6472884" y="624732"/>
             <a:ext cx="2965526" cy="1151510"/>
           </a:xfrm>
           <a:prstGeom prst="roundRect">
@@ -3515,6 +3590,437 @@
           </a:p>
         </p:txBody>
       </p:sp>
+      <p:sp>
+        <p:nvSpPr>
+          <p:cNvPr id="14" name="Rectangle: Rounded Corners 13">
+            <a:extLst>
+              <a:ext uri="{FF2B5EF4-FFF2-40B4-BE49-F238E27FC236}">
+                <a16:creationId xmlns:a16="http://schemas.microsoft.com/office/drawing/2014/main" id="{6FB446DF-A4AB-49EE-9C57-95BCDC4A5D8A}"/>
+              </a:ext>
+            </a:extLst>
+          </p:cNvPr>
+          <p:cNvSpPr/>
+          <p:nvPr/>
+        </p:nvSpPr>
+        <p:spPr>
+          <a:xfrm>
+            <a:off x="1423115" y="3966693"/>
+            <a:ext cx="2137893" cy="901522"/>
+          </a:xfrm>
+          <a:prstGeom prst="roundRect">
+            <a:avLst/>
+          </a:prstGeom>
+          <a:solidFill>
+            <a:srgbClr val="FFFFFF">
+              <a:alpha val="69804"/>
+            </a:srgbClr>
+          </a:solidFill>
+        </p:spPr>
+        <p:style>
+          <a:lnRef idx="2">
+            <a:schemeClr val="accent1">
+              <a:shade val="50000"/>
+            </a:schemeClr>
+          </a:lnRef>
+          <a:fillRef idx="1">
+            <a:schemeClr val="accent1"/>
+          </a:fillRef>
+          <a:effectRef idx="0">
+            <a:schemeClr val="accent1"/>
+          </a:effectRef>
+          <a:fontRef idx="minor">
+            <a:schemeClr val="lt1"/>
+          </a:fontRef>
+        </p:style>
+        <p:txBody>
+          <a:bodyPr rtlCol="0" anchor="ctr"/>
+          <a:lstStyle/>
+          <a:p>
+            <a:pPr algn="ctr"/>
+            <a:endParaRPr lang="en-SG"/>
+          </a:p>
+        </p:txBody>
+      </p:sp>
+      <p:pic>
+        <p:nvPicPr>
+          <p:cNvPr id="15" name="Picture 14">
+            <a:extLst>
+              <a:ext uri="{FF2B5EF4-FFF2-40B4-BE49-F238E27FC236}">
+                <a16:creationId xmlns:a16="http://schemas.microsoft.com/office/drawing/2014/main" id="{935BDD63-FE2C-4FE0-AEA3-DE5931ADF889}"/>
+              </a:ext>
+            </a:extLst>
+          </p:cNvPr>
+          <p:cNvPicPr>
+            <a:picLocks noChangeAspect="1"/>
+          </p:cNvPicPr>
+          <p:nvPr/>
+        </p:nvPicPr>
+        <p:blipFill rotWithShape="1">
+          <a:blip r:embed="rId4">
+            <a:extLst>
+              <a:ext uri="{28A0092B-C50C-407E-A947-70E740481C1C}">
+                <a14:useLocalDpi xmlns:a14="http://schemas.microsoft.com/office/drawing/2010/main" val="0"/>
+              </a:ext>
+            </a:extLst>
+          </a:blip>
+          <a:srcRect l="6772" b="36242"/>
+          <a:stretch/>
+        </p:blipFill>
+        <p:spPr>
+          <a:xfrm>
+            <a:off x="3026535" y="5742472"/>
+            <a:ext cx="1844594" cy="1261489"/>
+          </a:xfrm>
+          <a:prstGeom prst="rect">
+            <a:avLst/>
+          </a:prstGeom>
+        </p:spPr>
+      </p:pic>
+      <p:sp>
+        <p:nvSpPr>
+          <p:cNvPr id="16" name="Rectangle: Rounded Corners 15">
+            <a:extLst>
+              <a:ext uri="{FF2B5EF4-FFF2-40B4-BE49-F238E27FC236}">
+                <a16:creationId xmlns:a16="http://schemas.microsoft.com/office/drawing/2014/main" id="{1F5AD1E1-96FD-46B2-ABCF-10D4ED7ADDFA}"/>
+              </a:ext>
+            </a:extLst>
+          </p:cNvPr>
+          <p:cNvSpPr/>
+          <p:nvPr/>
+        </p:nvSpPr>
+        <p:spPr>
+          <a:xfrm>
+            <a:off x="6702204" y="3966694"/>
+            <a:ext cx="2965526" cy="901522"/>
+          </a:xfrm>
+          <a:prstGeom prst="roundRect">
+            <a:avLst/>
+          </a:prstGeom>
+          <a:solidFill>
+            <a:srgbClr val="FFFFFF">
+              <a:alpha val="69804"/>
+            </a:srgbClr>
+          </a:solidFill>
+        </p:spPr>
+        <p:style>
+          <a:lnRef idx="2">
+            <a:schemeClr val="accent1">
+              <a:shade val="50000"/>
+            </a:schemeClr>
+          </a:lnRef>
+          <a:fillRef idx="1">
+            <a:schemeClr val="accent1"/>
+          </a:fillRef>
+          <a:effectRef idx="0">
+            <a:schemeClr val="accent1"/>
+          </a:effectRef>
+          <a:fontRef idx="minor">
+            <a:schemeClr val="lt1"/>
+          </a:fontRef>
+        </p:style>
+        <p:txBody>
+          <a:bodyPr rtlCol="0" anchor="ctr"/>
+          <a:lstStyle/>
+          <a:p>
+            <a:pPr algn="ctr"/>
+            <a:endParaRPr lang="en-SG"/>
+          </a:p>
+        </p:txBody>
+      </p:sp>
+      <p:sp>
+        <p:nvSpPr>
+          <p:cNvPr id="2" name="Rectangle 1">
+            <a:extLst>
+              <a:ext uri="{FF2B5EF4-FFF2-40B4-BE49-F238E27FC236}">
+                <a16:creationId xmlns:a16="http://schemas.microsoft.com/office/drawing/2014/main" id="{A8FB0A3C-7B1E-4E26-BC17-8FE4F3D386B4}"/>
+              </a:ext>
+            </a:extLst>
+          </p:cNvPr>
+          <p:cNvSpPr/>
+          <p:nvPr/>
+        </p:nvSpPr>
+        <p:spPr>
+          <a:xfrm>
+            <a:off x="1346456" y="3685821"/>
+            <a:ext cx="8462560" cy="140134"/>
+          </a:xfrm>
+          <a:prstGeom prst="rect">
+            <a:avLst/>
+          </a:prstGeom>
+          <a:solidFill>
+            <a:srgbClr val="36438E"/>
+          </a:solidFill>
+          <a:ln>
+            <a:noFill/>
+          </a:ln>
+        </p:spPr>
+        <p:style>
+          <a:lnRef idx="2">
+            <a:schemeClr val="accent1">
+              <a:shade val="50000"/>
+            </a:schemeClr>
+          </a:lnRef>
+          <a:fillRef idx="1">
+            <a:schemeClr val="accent1"/>
+          </a:fillRef>
+          <a:effectRef idx="0">
+            <a:schemeClr val="accent1"/>
+          </a:effectRef>
+          <a:fontRef idx="minor">
+            <a:schemeClr val="lt1"/>
+          </a:fontRef>
+        </p:style>
+        <p:txBody>
+          <a:bodyPr rtlCol="0" anchor="ctr"/>
+          <a:lstStyle/>
+          <a:p>
+            <a:pPr algn="ctr"/>
+            <a:endParaRPr lang="en-SG" dirty="0"/>
+          </a:p>
+        </p:txBody>
+      </p:sp>
+      <p:pic>
+        <p:nvPicPr>
+          <p:cNvPr id="18" name="Picture 4" descr="https://timgsa.baidu.com/timg?image&amp;quality=80&amp;size=b9999_10000&amp;sec=1581399890550&amp;di=a15c1305f18cd53c26abb0cadb58a997&amp;imgtype=0&amp;src=http%3A%2F%2Fpic2.cxtuku.com%2F00%2F04%2F54%2Fb971830b7bd4.jpg">
+            <a:extLst>
+              <a:ext uri="{FF2B5EF4-FFF2-40B4-BE49-F238E27FC236}">
+                <a16:creationId xmlns:a16="http://schemas.microsoft.com/office/drawing/2014/main" id="{02D14BBA-FE48-4778-B0D6-1E347BB49EB0}"/>
+              </a:ext>
+            </a:extLst>
+          </p:cNvPr>
+          <p:cNvPicPr>
+            <a:picLocks noChangeAspect="1" noChangeArrowheads="1"/>
+          </p:cNvPicPr>
+          <p:nvPr/>
+        </p:nvPicPr>
+        <p:blipFill rotWithShape="1">
+          <a:blip r:embed="rId5" cstate="hqprint">
+            <a:clrChange>
+              <a:clrFrom>
+                <a:srgbClr val="FFFFFF"/>
+              </a:clrFrom>
+              <a:clrTo>
+                <a:srgbClr val="FFFFFF">
+                  <a:alpha val="0"/>
+                </a:srgbClr>
+              </a:clrTo>
+            </a:clrChange>
+            <a:biLevel thresh="75000"/>
+            <a:extLst>
+              <a:ext uri="{28A0092B-C50C-407E-A947-70E740481C1C}">
+                <a14:useLocalDpi xmlns:a14="http://schemas.microsoft.com/office/drawing/2010/main" val="0"/>
+              </a:ext>
+            </a:extLst>
+          </a:blip>
+          <a:srcRect l="27297" t="24520" r="-24112" b="33215"/>
+          <a:stretch/>
+        </p:blipFill>
+        <p:spPr bwMode="auto">
+          <a:xfrm>
+            <a:off x="9926038" y="3773992"/>
+            <a:ext cx="1674607" cy="1033209"/>
+          </a:xfrm>
+          <a:prstGeom prst="rect">
+            <a:avLst/>
+          </a:prstGeom>
+          <a:noFill/>
+          <a:extLst>
+            <a:ext uri="{909E8E84-426E-40DD-AFC4-6F175D3DCCD1}">
+              <a14:hiddenFill xmlns:a14="http://schemas.microsoft.com/office/drawing/2010/main">
+                <a:solidFill>
+                  <a:srgbClr val="FFFFFF"/>
+                </a:solidFill>
+              </a14:hiddenFill>
+            </a:ext>
+          </a:extLst>
+        </p:spPr>
+      </p:pic>
+      <p:sp>
+        <p:nvSpPr>
+          <p:cNvPr id="19" name="Rectangle 9">
+            <a:extLst>
+              <a:ext uri="{FF2B5EF4-FFF2-40B4-BE49-F238E27FC236}">
+                <a16:creationId xmlns:a16="http://schemas.microsoft.com/office/drawing/2014/main" id="{9F7202AB-B960-4263-87A3-7BA2F889014B}"/>
+              </a:ext>
+            </a:extLst>
+          </p:cNvPr>
+          <p:cNvSpPr/>
+          <p:nvPr/>
+        </p:nvSpPr>
+        <p:spPr>
+          <a:xfrm>
+            <a:off x="10368517" y="3794476"/>
+            <a:ext cx="1758815" cy="892552"/>
+          </a:xfrm>
+          <a:prstGeom prst="rect">
+            <a:avLst/>
+          </a:prstGeom>
+        </p:spPr>
+        <p:txBody>
+          <a:bodyPr wrap="none">
+            <a:spAutoFit/>
+          </a:bodyPr>
+          <a:lstStyle/>
+          <a:p>
+            <a:pPr defTabSz="914400">
+              <a:defRPr/>
+            </a:pPr>
+            <a:r>
+              <a:rPr lang="en-US" altLang="zh-CN" sz="1600" b="1" dirty="0">
+                <a:effectLst>
+                  <a:outerShdw blurRad="38100" dist="38100" dir="2700000" algn="tl">
+                    <a:srgbClr val="000000">
+                      <a:alpha val="43137"/>
+                    </a:srgbClr>
+                  </a:outerShdw>
+                </a:effectLst>
+                <a:latin typeface="Arial" panose="020B0604020202020204" pitchFamily="34" charset="0"/>
+                <a:cs typeface="Arial" panose="020B0604020202020204" pitchFamily="34" charset="0"/>
+              </a:rPr>
+              <a:t>2020</a:t>
+            </a:r>
+          </a:p>
+          <a:p>
+            <a:pPr defTabSz="914400">
+              <a:defRPr/>
+            </a:pPr>
+            <a:r>
+              <a:rPr lang="en-US" sz="2000" b="1" dirty="0">
+                <a:solidFill>
+                  <a:srgbClr val="3C4790"/>
+                </a:solidFill>
+                <a:effectLst>
+                  <a:outerShdw blurRad="38100" dist="38100" dir="2700000" algn="tl">
+                    <a:srgbClr val="000000">
+                      <a:alpha val="43137"/>
+                    </a:srgbClr>
+                  </a:outerShdw>
+                </a:effectLst>
+                <a:latin typeface="Arial Black" panose="020B0A04020102020204" pitchFamily="34" charset="0"/>
+                <a:cs typeface="Arial" panose="020B0604020202020204" pitchFamily="34" charset="0"/>
+              </a:rPr>
+              <a:t>ISICAS</a:t>
+            </a:r>
+          </a:p>
+          <a:p>
+            <a:pPr algn="just" defTabSz="914400">
+              <a:defRPr/>
+            </a:pPr>
+            <a:r>
+              <a:rPr lang="en-US" altLang="zh-CN" sz="800" b="1" dirty="0">
+                <a:effectLst>
+                  <a:outerShdw blurRad="38100" dist="38100" dir="2700000" algn="tl">
+                    <a:srgbClr val="000000">
+                      <a:alpha val="43137"/>
+                    </a:srgbClr>
+                  </a:outerShdw>
+                </a:effectLst>
+                <a:latin typeface="Arial" panose="020B0604020202020204" pitchFamily="34" charset="0"/>
+                <a:cs typeface="Arial" panose="020B0604020202020204" pitchFamily="34" charset="0"/>
+              </a:rPr>
+              <a:t>International Symposium on </a:t>
+            </a:r>
+            <a:br>
+              <a:rPr lang="en-US" altLang="zh-CN" sz="800" b="1" dirty="0">
+                <a:effectLst>
+                  <a:outerShdw blurRad="38100" dist="38100" dir="2700000" algn="tl">
+                    <a:srgbClr val="000000">
+                      <a:alpha val="43137"/>
+                    </a:srgbClr>
+                  </a:outerShdw>
+                </a:effectLst>
+                <a:latin typeface="Arial" panose="020B0604020202020204" pitchFamily="34" charset="0"/>
+                <a:cs typeface="Arial" panose="020B0604020202020204" pitchFamily="34" charset="0"/>
+              </a:rPr>
+            </a:br>
+            <a:r>
+              <a:rPr lang="en-US" altLang="zh-CN" sz="800" b="1" dirty="0">
+                <a:effectLst>
+                  <a:outerShdw blurRad="38100" dist="38100" dir="2700000" algn="tl">
+                    <a:srgbClr val="000000">
+                      <a:alpha val="43137"/>
+                    </a:srgbClr>
+                  </a:outerShdw>
+                </a:effectLst>
+                <a:latin typeface="Arial" panose="020B0604020202020204" pitchFamily="34" charset="0"/>
+                <a:cs typeface="Arial" panose="020B0604020202020204" pitchFamily="34" charset="0"/>
+              </a:rPr>
+              <a:t>Integrated Circuits and Systems</a:t>
+            </a:r>
+            <a:endParaRPr lang="en-US" altLang="zh-CN" sz="1400" b="1" dirty="0">
+              <a:effectLst>
+                <a:outerShdw blurRad="38100" dist="38100" dir="2700000" algn="tl">
+                  <a:srgbClr val="000000">
+                    <a:alpha val="43137"/>
+                  </a:srgbClr>
+                </a:outerShdw>
+              </a:effectLst>
+              <a:latin typeface="Arial" panose="020B0604020202020204" pitchFamily="34" charset="0"/>
+              <a:cs typeface="Arial" panose="020B0604020202020204" pitchFamily="34" charset="0"/>
+            </a:endParaRPr>
+          </a:p>
+        </p:txBody>
+      </p:sp>
+      <p:pic>
+        <p:nvPicPr>
+          <p:cNvPr id="4" name="Picture 3">
+            <a:extLst>
+              <a:ext uri="{FF2B5EF4-FFF2-40B4-BE49-F238E27FC236}">
+                <a16:creationId xmlns:a16="http://schemas.microsoft.com/office/drawing/2014/main" id="{3B9EBC82-9160-4F87-9753-8E81C0923520}"/>
+              </a:ext>
+            </a:extLst>
+          </p:cNvPr>
+          <p:cNvPicPr>
+            <a:picLocks noChangeAspect="1"/>
+          </p:cNvPicPr>
+          <p:nvPr/>
+        </p:nvPicPr>
+        <p:blipFill>
+          <a:blip r:embed="rId6"/>
+          <a:stretch>
+            <a:fillRect/>
+          </a:stretch>
+        </p:blipFill>
+        <p:spPr>
+          <a:xfrm>
+            <a:off x="1358721" y="2148708"/>
+            <a:ext cx="8440485" cy="1467020"/>
+          </a:xfrm>
+          <a:prstGeom prst="rect">
+            <a:avLst/>
+          </a:prstGeom>
+        </p:spPr>
+      </p:pic>
+      <p:pic>
+        <p:nvPicPr>
+          <p:cNvPr id="17" name="Picture 16">
+            <a:extLst>
+              <a:ext uri="{FF2B5EF4-FFF2-40B4-BE49-F238E27FC236}">
+                <a16:creationId xmlns:a16="http://schemas.microsoft.com/office/drawing/2014/main" id="{99A3EB9B-6FE0-4F03-8DD5-B48A0428AB5E}"/>
+              </a:ext>
+            </a:extLst>
+          </p:cNvPr>
+          <p:cNvPicPr>
+            <a:picLocks noChangeAspect="1"/>
+          </p:cNvPicPr>
+          <p:nvPr/>
+        </p:nvPicPr>
+        <p:blipFill>
+          <a:blip r:embed="rId7"/>
+          <a:stretch>
+            <a:fillRect/>
+          </a:stretch>
+        </p:blipFill>
+        <p:spPr>
+          <a:xfrm>
+            <a:off x="1432297" y="3893450"/>
+            <a:ext cx="2200847" cy="1036410"/>
+          </a:xfrm>
+          <a:prstGeom prst="rect">
+            <a:avLst/>
+          </a:prstGeom>
+        </p:spPr>
+      </p:pic>
     </p:spTree>
     <p:extLst>
       <p:ext uri="{BB962C8B-B14F-4D97-AF65-F5344CB8AC3E}">

--- a/images/banner.pptx
+++ b/images/banner.pptx
@@ -104,11 +104,6 @@
       </a:defRPr>
     </a:lvl9pPr>
   </p:defaultTextStyle>
-  <p:extLst>
-    <p:ext uri="{EFAFB233-063F-42B5-8137-9DF3F51BA10A}">
-      <p15:sldGuideLst xmlns:p15="http://schemas.microsoft.com/office/powerpoint/2012/main"/>
-    </p:ext>
-  </p:extLst>
 </p:presentation>
 </file>
 
@@ -261,7 +256,7 @@
           <a:p>
             <a:fld id="{D1D3205E-6E89-443C-B302-4693E120D7F3}" type="datetimeFigureOut">
               <a:rPr lang="en-SG" smtClean="0"/>
-              <a:t>11/2/2020</a:t>
+              <a:t>19/1/2020</a:t>
             </a:fld>
             <a:endParaRPr lang="en-SG"/>
           </a:p>
@@ -461,7 +456,7 @@
           <a:p>
             <a:fld id="{D1D3205E-6E89-443C-B302-4693E120D7F3}" type="datetimeFigureOut">
               <a:rPr lang="en-SG" smtClean="0"/>
-              <a:t>11/2/2020</a:t>
+              <a:t>19/1/2020</a:t>
             </a:fld>
             <a:endParaRPr lang="en-SG"/>
           </a:p>
@@ -671,7 +666,7 @@
           <a:p>
             <a:fld id="{D1D3205E-6E89-443C-B302-4693E120D7F3}" type="datetimeFigureOut">
               <a:rPr lang="en-SG" smtClean="0"/>
-              <a:t>11/2/2020</a:t>
+              <a:t>19/1/2020</a:t>
             </a:fld>
             <a:endParaRPr lang="en-SG"/>
           </a:p>
@@ -871,7 +866,7 @@
           <a:p>
             <a:fld id="{D1D3205E-6E89-443C-B302-4693E120D7F3}" type="datetimeFigureOut">
               <a:rPr lang="en-SG" smtClean="0"/>
-              <a:t>11/2/2020</a:t>
+              <a:t>19/1/2020</a:t>
             </a:fld>
             <a:endParaRPr lang="en-SG"/>
           </a:p>
@@ -1147,7 +1142,7 @@
           <a:p>
             <a:fld id="{D1D3205E-6E89-443C-B302-4693E120D7F3}" type="datetimeFigureOut">
               <a:rPr lang="en-SG" smtClean="0"/>
-              <a:t>11/2/2020</a:t>
+              <a:t>19/1/2020</a:t>
             </a:fld>
             <a:endParaRPr lang="en-SG"/>
           </a:p>
@@ -1415,7 +1410,7 @@
           <a:p>
             <a:fld id="{D1D3205E-6E89-443C-B302-4693E120D7F3}" type="datetimeFigureOut">
               <a:rPr lang="en-SG" smtClean="0"/>
-              <a:t>11/2/2020</a:t>
+              <a:t>19/1/2020</a:t>
             </a:fld>
             <a:endParaRPr lang="en-SG"/>
           </a:p>
@@ -1830,7 +1825,7 @@
           <a:p>
             <a:fld id="{D1D3205E-6E89-443C-B302-4693E120D7F3}" type="datetimeFigureOut">
               <a:rPr lang="en-SG" smtClean="0"/>
-              <a:t>11/2/2020</a:t>
+              <a:t>19/1/2020</a:t>
             </a:fld>
             <a:endParaRPr lang="en-SG"/>
           </a:p>
@@ -1972,7 +1967,7 @@
           <a:p>
             <a:fld id="{D1D3205E-6E89-443C-B302-4693E120D7F3}" type="datetimeFigureOut">
               <a:rPr lang="en-SG" smtClean="0"/>
-              <a:t>11/2/2020</a:t>
+              <a:t>19/1/2020</a:t>
             </a:fld>
             <a:endParaRPr lang="en-SG"/>
           </a:p>
@@ -2085,7 +2080,7 @@
           <a:p>
             <a:fld id="{D1D3205E-6E89-443C-B302-4693E120D7F3}" type="datetimeFigureOut">
               <a:rPr lang="en-SG" smtClean="0"/>
-              <a:t>11/2/2020</a:t>
+              <a:t>19/1/2020</a:t>
             </a:fld>
             <a:endParaRPr lang="en-SG"/>
           </a:p>
@@ -2398,7 +2393,7 @@
           <a:p>
             <a:fld id="{D1D3205E-6E89-443C-B302-4693E120D7F3}" type="datetimeFigureOut">
               <a:rPr lang="en-SG" smtClean="0"/>
-              <a:t>11/2/2020</a:t>
+              <a:t>19/1/2020</a:t>
             </a:fld>
             <a:endParaRPr lang="en-SG"/>
           </a:p>
@@ -2687,7 +2682,7 @@
           <a:p>
             <a:fld id="{D1D3205E-6E89-443C-B302-4693E120D7F3}" type="datetimeFigureOut">
               <a:rPr lang="en-SG" smtClean="0"/>
-              <a:t>11/2/2020</a:t>
+              <a:t>19/1/2020</a:t>
             </a:fld>
             <a:endParaRPr lang="en-SG"/>
           </a:p>
@@ -2930,7 +2925,7 @@
           <a:p>
             <a:fld id="{D1D3205E-6E89-443C-B302-4693E120D7F3}" type="datetimeFigureOut">
               <a:rPr lang="en-SG" smtClean="0"/>
-              <a:t>11/2/2020</a:t>
+              <a:t>19/1/2020</a:t>
             </a:fld>
             <a:endParaRPr lang="en-SG"/>
           </a:p>
@@ -3349,76 +3344,6 @@
       </p:grpSpPr>
       <p:pic>
         <p:nvPicPr>
-          <p:cNvPr id="24" name="图片 3">
-            <a:extLst>
-              <a:ext uri="{FF2B5EF4-FFF2-40B4-BE49-F238E27FC236}">
-                <a16:creationId xmlns:a16="http://schemas.microsoft.com/office/drawing/2014/main" id="{5E2D2984-A7F4-4877-8093-5B18823DB077}"/>
-              </a:ext>
-            </a:extLst>
-          </p:cNvPr>
-          <p:cNvPicPr>
-            <a:picLocks noChangeAspect="1"/>
-          </p:cNvPicPr>
-          <p:nvPr/>
-        </p:nvPicPr>
-        <p:blipFill rotWithShape="1">
-          <a:blip r:embed="rId2" cstate="print">
-            <a:extLst>
-              <a:ext uri="{28A0092B-C50C-407E-A947-70E740481C1C}">
-                <a14:useLocalDpi xmlns:a14="http://schemas.microsoft.com/office/drawing/2010/main" val="0"/>
-              </a:ext>
-            </a:extLst>
-          </a:blip>
-          <a:srcRect t="53288" r="92368" b="11321"/>
-          <a:stretch/>
-        </p:blipFill>
-        <p:spPr>
-          <a:xfrm flipH="1">
-            <a:off x="1346456" y="3701201"/>
-            <a:ext cx="1181228" cy="1451637"/>
-          </a:xfrm>
-          <a:prstGeom prst="rect">
-            <a:avLst/>
-          </a:prstGeom>
-        </p:spPr>
-      </p:pic>
-      <p:pic>
-        <p:nvPicPr>
-          <p:cNvPr id="6" name="图片 3">
-            <a:extLst>
-              <a:ext uri="{FF2B5EF4-FFF2-40B4-BE49-F238E27FC236}">
-                <a16:creationId xmlns:a16="http://schemas.microsoft.com/office/drawing/2014/main" id="{D8A8000D-615B-4324-B50E-0BDDBB3CA80A}"/>
-              </a:ext>
-            </a:extLst>
-          </p:cNvPr>
-          <p:cNvPicPr>
-            <a:picLocks noChangeAspect="1"/>
-          </p:cNvPicPr>
-          <p:nvPr/>
-        </p:nvPicPr>
-        <p:blipFill rotWithShape="1">
-          <a:blip r:embed="rId2" cstate="print">
-            <a:extLst>
-              <a:ext uri="{28A0092B-C50C-407E-A947-70E740481C1C}">
-                <a14:useLocalDpi xmlns:a14="http://schemas.microsoft.com/office/drawing/2010/main" val="0"/>
-              </a:ext>
-            </a:extLst>
-          </a:blip>
-          <a:srcRect t="53288" b="11320"/>
-          <a:stretch/>
-        </p:blipFill>
-        <p:spPr>
-          <a:xfrm>
-            <a:off x="2524270" y="3701201"/>
-            <a:ext cx="7291569" cy="1451637"/>
-          </a:xfrm>
-          <a:prstGeom prst="rect">
-            <a:avLst/>
-          </a:prstGeom>
-        </p:spPr>
-      </p:pic>
-      <p:pic>
-        <p:nvPicPr>
           <p:cNvPr id="5" name="Picture 4">
             <a:extLst>
               <a:ext uri="{FF2B5EF4-FFF2-40B4-BE49-F238E27FC236}">
@@ -3432,7 +3357,7 @@
           <p:nvPr/>
         </p:nvPicPr>
         <p:blipFill>
-          <a:blip r:embed="rId3">
+          <a:blip r:embed="rId2">
             <a:extLst>
               <a:ext uri="{28A0092B-C50C-407E-A947-70E740481C1C}">
                 <a14:useLocalDpi xmlns:a14="http://schemas.microsoft.com/office/drawing/2010/main" val="0"/>
@@ -3445,7 +3370,7 @@
         </p:blipFill>
         <p:spPr>
           <a:xfrm>
-            <a:off x="1282061" y="323407"/>
+            <a:off x="1346455" y="1572419"/>
             <a:ext cx="8469384" cy="1733460"/>
           </a:xfrm>
           <a:prstGeom prst="rect">
@@ -3467,7 +3392,7 @@
         </p:nvSpPr>
         <p:spPr>
           <a:xfrm>
-            <a:off x="1408060" y="624732"/>
+            <a:off x="1472454" y="1873744"/>
             <a:ext cx="1611940" cy="1151510"/>
           </a:xfrm>
           <a:prstGeom prst="roundRect">
@@ -3519,7 +3444,7 @@
           <p:nvPr/>
         </p:nvPicPr>
         <p:blipFill rotWithShape="1">
-          <a:blip r:embed="rId4">
+          <a:blip r:embed="rId3">
             <a:extLst>
               <a:ext uri="{28A0092B-C50C-407E-A947-70E740481C1C}">
                 <a14:useLocalDpi xmlns:a14="http://schemas.microsoft.com/office/drawing/2010/main" val="0"/>
@@ -3531,7 +3456,7 @@
         </p:blipFill>
         <p:spPr>
           <a:xfrm>
-            <a:off x="1358721" y="438761"/>
+            <a:off x="1423115" y="1687773"/>
             <a:ext cx="1844594" cy="1261489"/>
           </a:xfrm>
           <a:prstGeom prst="rect">
@@ -3553,7 +3478,7 @@
         </p:nvSpPr>
         <p:spPr>
           <a:xfrm>
-            <a:off x="6472884" y="624732"/>
+            <a:off x="6537278" y="1873744"/>
             <a:ext cx="2965526" cy="1151510"/>
           </a:xfrm>
           <a:prstGeom prst="roundRect">
@@ -3590,437 +3515,6 @@
           </a:p>
         </p:txBody>
       </p:sp>
-      <p:sp>
-        <p:nvSpPr>
-          <p:cNvPr id="14" name="Rectangle: Rounded Corners 13">
-            <a:extLst>
-              <a:ext uri="{FF2B5EF4-FFF2-40B4-BE49-F238E27FC236}">
-                <a16:creationId xmlns:a16="http://schemas.microsoft.com/office/drawing/2014/main" id="{6FB446DF-A4AB-49EE-9C57-95BCDC4A5D8A}"/>
-              </a:ext>
-            </a:extLst>
-          </p:cNvPr>
-          <p:cNvSpPr/>
-          <p:nvPr/>
-        </p:nvSpPr>
-        <p:spPr>
-          <a:xfrm>
-            <a:off x="1423115" y="3966693"/>
-            <a:ext cx="2137893" cy="901522"/>
-          </a:xfrm>
-          <a:prstGeom prst="roundRect">
-            <a:avLst/>
-          </a:prstGeom>
-          <a:solidFill>
-            <a:srgbClr val="FFFFFF">
-              <a:alpha val="69804"/>
-            </a:srgbClr>
-          </a:solidFill>
-        </p:spPr>
-        <p:style>
-          <a:lnRef idx="2">
-            <a:schemeClr val="accent1">
-              <a:shade val="50000"/>
-            </a:schemeClr>
-          </a:lnRef>
-          <a:fillRef idx="1">
-            <a:schemeClr val="accent1"/>
-          </a:fillRef>
-          <a:effectRef idx="0">
-            <a:schemeClr val="accent1"/>
-          </a:effectRef>
-          <a:fontRef idx="minor">
-            <a:schemeClr val="lt1"/>
-          </a:fontRef>
-        </p:style>
-        <p:txBody>
-          <a:bodyPr rtlCol="0" anchor="ctr"/>
-          <a:lstStyle/>
-          <a:p>
-            <a:pPr algn="ctr"/>
-            <a:endParaRPr lang="en-SG"/>
-          </a:p>
-        </p:txBody>
-      </p:sp>
-      <p:pic>
-        <p:nvPicPr>
-          <p:cNvPr id="15" name="Picture 14">
-            <a:extLst>
-              <a:ext uri="{FF2B5EF4-FFF2-40B4-BE49-F238E27FC236}">
-                <a16:creationId xmlns:a16="http://schemas.microsoft.com/office/drawing/2014/main" id="{935BDD63-FE2C-4FE0-AEA3-DE5931ADF889}"/>
-              </a:ext>
-            </a:extLst>
-          </p:cNvPr>
-          <p:cNvPicPr>
-            <a:picLocks noChangeAspect="1"/>
-          </p:cNvPicPr>
-          <p:nvPr/>
-        </p:nvPicPr>
-        <p:blipFill rotWithShape="1">
-          <a:blip r:embed="rId4">
-            <a:extLst>
-              <a:ext uri="{28A0092B-C50C-407E-A947-70E740481C1C}">
-                <a14:useLocalDpi xmlns:a14="http://schemas.microsoft.com/office/drawing/2010/main" val="0"/>
-              </a:ext>
-            </a:extLst>
-          </a:blip>
-          <a:srcRect l="6772" b="36242"/>
-          <a:stretch/>
-        </p:blipFill>
-        <p:spPr>
-          <a:xfrm>
-            <a:off x="3026535" y="5742472"/>
-            <a:ext cx="1844594" cy="1261489"/>
-          </a:xfrm>
-          <a:prstGeom prst="rect">
-            <a:avLst/>
-          </a:prstGeom>
-        </p:spPr>
-      </p:pic>
-      <p:sp>
-        <p:nvSpPr>
-          <p:cNvPr id="16" name="Rectangle: Rounded Corners 15">
-            <a:extLst>
-              <a:ext uri="{FF2B5EF4-FFF2-40B4-BE49-F238E27FC236}">
-                <a16:creationId xmlns:a16="http://schemas.microsoft.com/office/drawing/2014/main" id="{1F5AD1E1-96FD-46B2-ABCF-10D4ED7ADDFA}"/>
-              </a:ext>
-            </a:extLst>
-          </p:cNvPr>
-          <p:cNvSpPr/>
-          <p:nvPr/>
-        </p:nvSpPr>
-        <p:spPr>
-          <a:xfrm>
-            <a:off x="6702204" y="3966694"/>
-            <a:ext cx="2965526" cy="901522"/>
-          </a:xfrm>
-          <a:prstGeom prst="roundRect">
-            <a:avLst/>
-          </a:prstGeom>
-          <a:solidFill>
-            <a:srgbClr val="FFFFFF">
-              <a:alpha val="69804"/>
-            </a:srgbClr>
-          </a:solidFill>
-        </p:spPr>
-        <p:style>
-          <a:lnRef idx="2">
-            <a:schemeClr val="accent1">
-              <a:shade val="50000"/>
-            </a:schemeClr>
-          </a:lnRef>
-          <a:fillRef idx="1">
-            <a:schemeClr val="accent1"/>
-          </a:fillRef>
-          <a:effectRef idx="0">
-            <a:schemeClr val="accent1"/>
-          </a:effectRef>
-          <a:fontRef idx="minor">
-            <a:schemeClr val="lt1"/>
-          </a:fontRef>
-        </p:style>
-        <p:txBody>
-          <a:bodyPr rtlCol="0" anchor="ctr"/>
-          <a:lstStyle/>
-          <a:p>
-            <a:pPr algn="ctr"/>
-            <a:endParaRPr lang="en-SG"/>
-          </a:p>
-        </p:txBody>
-      </p:sp>
-      <p:sp>
-        <p:nvSpPr>
-          <p:cNvPr id="2" name="Rectangle 1">
-            <a:extLst>
-              <a:ext uri="{FF2B5EF4-FFF2-40B4-BE49-F238E27FC236}">
-                <a16:creationId xmlns:a16="http://schemas.microsoft.com/office/drawing/2014/main" id="{A8FB0A3C-7B1E-4E26-BC17-8FE4F3D386B4}"/>
-              </a:ext>
-            </a:extLst>
-          </p:cNvPr>
-          <p:cNvSpPr/>
-          <p:nvPr/>
-        </p:nvSpPr>
-        <p:spPr>
-          <a:xfrm>
-            <a:off x="1346456" y="3685821"/>
-            <a:ext cx="8462560" cy="140134"/>
-          </a:xfrm>
-          <a:prstGeom prst="rect">
-            <a:avLst/>
-          </a:prstGeom>
-          <a:solidFill>
-            <a:srgbClr val="36438E"/>
-          </a:solidFill>
-          <a:ln>
-            <a:noFill/>
-          </a:ln>
-        </p:spPr>
-        <p:style>
-          <a:lnRef idx="2">
-            <a:schemeClr val="accent1">
-              <a:shade val="50000"/>
-            </a:schemeClr>
-          </a:lnRef>
-          <a:fillRef idx="1">
-            <a:schemeClr val="accent1"/>
-          </a:fillRef>
-          <a:effectRef idx="0">
-            <a:schemeClr val="accent1"/>
-          </a:effectRef>
-          <a:fontRef idx="minor">
-            <a:schemeClr val="lt1"/>
-          </a:fontRef>
-        </p:style>
-        <p:txBody>
-          <a:bodyPr rtlCol="0" anchor="ctr"/>
-          <a:lstStyle/>
-          <a:p>
-            <a:pPr algn="ctr"/>
-            <a:endParaRPr lang="en-SG" dirty="0"/>
-          </a:p>
-        </p:txBody>
-      </p:sp>
-      <p:pic>
-        <p:nvPicPr>
-          <p:cNvPr id="18" name="Picture 4" descr="https://timgsa.baidu.com/timg?image&amp;quality=80&amp;size=b9999_10000&amp;sec=1581399890550&amp;di=a15c1305f18cd53c26abb0cadb58a997&amp;imgtype=0&amp;src=http%3A%2F%2Fpic2.cxtuku.com%2F00%2F04%2F54%2Fb971830b7bd4.jpg">
-            <a:extLst>
-              <a:ext uri="{FF2B5EF4-FFF2-40B4-BE49-F238E27FC236}">
-                <a16:creationId xmlns:a16="http://schemas.microsoft.com/office/drawing/2014/main" id="{02D14BBA-FE48-4778-B0D6-1E347BB49EB0}"/>
-              </a:ext>
-            </a:extLst>
-          </p:cNvPr>
-          <p:cNvPicPr>
-            <a:picLocks noChangeAspect="1" noChangeArrowheads="1"/>
-          </p:cNvPicPr>
-          <p:nvPr/>
-        </p:nvPicPr>
-        <p:blipFill rotWithShape="1">
-          <a:blip r:embed="rId5" cstate="hqprint">
-            <a:clrChange>
-              <a:clrFrom>
-                <a:srgbClr val="FFFFFF"/>
-              </a:clrFrom>
-              <a:clrTo>
-                <a:srgbClr val="FFFFFF">
-                  <a:alpha val="0"/>
-                </a:srgbClr>
-              </a:clrTo>
-            </a:clrChange>
-            <a:biLevel thresh="75000"/>
-            <a:extLst>
-              <a:ext uri="{28A0092B-C50C-407E-A947-70E740481C1C}">
-                <a14:useLocalDpi xmlns:a14="http://schemas.microsoft.com/office/drawing/2010/main" val="0"/>
-              </a:ext>
-            </a:extLst>
-          </a:blip>
-          <a:srcRect l="27297" t="24520" r="-24112" b="33215"/>
-          <a:stretch/>
-        </p:blipFill>
-        <p:spPr bwMode="auto">
-          <a:xfrm>
-            <a:off x="9926038" y="3773992"/>
-            <a:ext cx="1674607" cy="1033209"/>
-          </a:xfrm>
-          <a:prstGeom prst="rect">
-            <a:avLst/>
-          </a:prstGeom>
-          <a:noFill/>
-          <a:extLst>
-            <a:ext uri="{909E8E84-426E-40DD-AFC4-6F175D3DCCD1}">
-              <a14:hiddenFill xmlns:a14="http://schemas.microsoft.com/office/drawing/2010/main">
-                <a:solidFill>
-                  <a:srgbClr val="FFFFFF"/>
-                </a:solidFill>
-              </a14:hiddenFill>
-            </a:ext>
-          </a:extLst>
-        </p:spPr>
-      </p:pic>
-      <p:sp>
-        <p:nvSpPr>
-          <p:cNvPr id="19" name="Rectangle 9">
-            <a:extLst>
-              <a:ext uri="{FF2B5EF4-FFF2-40B4-BE49-F238E27FC236}">
-                <a16:creationId xmlns:a16="http://schemas.microsoft.com/office/drawing/2014/main" id="{9F7202AB-B960-4263-87A3-7BA2F889014B}"/>
-              </a:ext>
-            </a:extLst>
-          </p:cNvPr>
-          <p:cNvSpPr/>
-          <p:nvPr/>
-        </p:nvSpPr>
-        <p:spPr>
-          <a:xfrm>
-            <a:off x="10368517" y="3794476"/>
-            <a:ext cx="1758815" cy="892552"/>
-          </a:xfrm>
-          <a:prstGeom prst="rect">
-            <a:avLst/>
-          </a:prstGeom>
-        </p:spPr>
-        <p:txBody>
-          <a:bodyPr wrap="none">
-            <a:spAutoFit/>
-          </a:bodyPr>
-          <a:lstStyle/>
-          <a:p>
-            <a:pPr defTabSz="914400">
-              <a:defRPr/>
-            </a:pPr>
-            <a:r>
-              <a:rPr lang="en-US" altLang="zh-CN" sz="1600" b="1" dirty="0">
-                <a:effectLst>
-                  <a:outerShdw blurRad="38100" dist="38100" dir="2700000" algn="tl">
-                    <a:srgbClr val="000000">
-                      <a:alpha val="43137"/>
-                    </a:srgbClr>
-                  </a:outerShdw>
-                </a:effectLst>
-                <a:latin typeface="Arial" panose="020B0604020202020204" pitchFamily="34" charset="0"/>
-                <a:cs typeface="Arial" panose="020B0604020202020204" pitchFamily="34" charset="0"/>
-              </a:rPr>
-              <a:t>2020</a:t>
-            </a:r>
-          </a:p>
-          <a:p>
-            <a:pPr defTabSz="914400">
-              <a:defRPr/>
-            </a:pPr>
-            <a:r>
-              <a:rPr lang="en-US" sz="2000" b="1" dirty="0">
-                <a:solidFill>
-                  <a:srgbClr val="3C4790"/>
-                </a:solidFill>
-                <a:effectLst>
-                  <a:outerShdw blurRad="38100" dist="38100" dir="2700000" algn="tl">
-                    <a:srgbClr val="000000">
-                      <a:alpha val="43137"/>
-                    </a:srgbClr>
-                  </a:outerShdw>
-                </a:effectLst>
-                <a:latin typeface="Arial Black" panose="020B0A04020102020204" pitchFamily="34" charset="0"/>
-                <a:cs typeface="Arial" panose="020B0604020202020204" pitchFamily="34" charset="0"/>
-              </a:rPr>
-              <a:t>ISICAS</a:t>
-            </a:r>
-          </a:p>
-          <a:p>
-            <a:pPr algn="just" defTabSz="914400">
-              <a:defRPr/>
-            </a:pPr>
-            <a:r>
-              <a:rPr lang="en-US" altLang="zh-CN" sz="800" b="1" dirty="0">
-                <a:effectLst>
-                  <a:outerShdw blurRad="38100" dist="38100" dir="2700000" algn="tl">
-                    <a:srgbClr val="000000">
-                      <a:alpha val="43137"/>
-                    </a:srgbClr>
-                  </a:outerShdw>
-                </a:effectLst>
-                <a:latin typeface="Arial" panose="020B0604020202020204" pitchFamily="34" charset="0"/>
-                <a:cs typeface="Arial" panose="020B0604020202020204" pitchFamily="34" charset="0"/>
-              </a:rPr>
-              <a:t>International Symposium on </a:t>
-            </a:r>
-            <a:br>
-              <a:rPr lang="en-US" altLang="zh-CN" sz="800" b="1" dirty="0">
-                <a:effectLst>
-                  <a:outerShdw blurRad="38100" dist="38100" dir="2700000" algn="tl">
-                    <a:srgbClr val="000000">
-                      <a:alpha val="43137"/>
-                    </a:srgbClr>
-                  </a:outerShdw>
-                </a:effectLst>
-                <a:latin typeface="Arial" panose="020B0604020202020204" pitchFamily="34" charset="0"/>
-                <a:cs typeface="Arial" panose="020B0604020202020204" pitchFamily="34" charset="0"/>
-              </a:rPr>
-            </a:br>
-            <a:r>
-              <a:rPr lang="en-US" altLang="zh-CN" sz="800" b="1" dirty="0">
-                <a:effectLst>
-                  <a:outerShdw blurRad="38100" dist="38100" dir="2700000" algn="tl">
-                    <a:srgbClr val="000000">
-                      <a:alpha val="43137"/>
-                    </a:srgbClr>
-                  </a:outerShdw>
-                </a:effectLst>
-                <a:latin typeface="Arial" panose="020B0604020202020204" pitchFamily="34" charset="0"/>
-                <a:cs typeface="Arial" panose="020B0604020202020204" pitchFamily="34" charset="0"/>
-              </a:rPr>
-              <a:t>Integrated Circuits and Systems</a:t>
-            </a:r>
-            <a:endParaRPr lang="en-US" altLang="zh-CN" sz="1400" b="1" dirty="0">
-              <a:effectLst>
-                <a:outerShdw blurRad="38100" dist="38100" dir="2700000" algn="tl">
-                  <a:srgbClr val="000000">
-                    <a:alpha val="43137"/>
-                  </a:srgbClr>
-                </a:outerShdw>
-              </a:effectLst>
-              <a:latin typeface="Arial" panose="020B0604020202020204" pitchFamily="34" charset="0"/>
-              <a:cs typeface="Arial" panose="020B0604020202020204" pitchFamily="34" charset="0"/>
-            </a:endParaRPr>
-          </a:p>
-        </p:txBody>
-      </p:sp>
-      <p:pic>
-        <p:nvPicPr>
-          <p:cNvPr id="4" name="Picture 3">
-            <a:extLst>
-              <a:ext uri="{FF2B5EF4-FFF2-40B4-BE49-F238E27FC236}">
-                <a16:creationId xmlns:a16="http://schemas.microsoft.com/office/drawing/2014/main" id="{3B9EBC82-9160-4F87-9753-8E81C0923520}"/>
-              </a:ext>
-            </a:extLst>
-          </p:cNvPr>
-          <p:cNvPicPr>
-            <a:picLocks noChangeAspect="1"/>
-          </p:cNvPicPr>
-          <p:nvPr/>
-        </p:nvPicPr>
-        <p:blipFill>
-          <a:blip r:embed="rId6"/>
-          <a:stretch>
-            <a:fillRect/>
-          </a:stretch>
-        </p:blipFill>
-        <p:spPr>
-          <a:xfrm>
-            <a:off x="1358721" y="2148708"/>
-            <a:ext cx="8440485" cy="1467020"/>
-          </a:xfrm>
-          <a:prstGeom prst="rect">
-            <a:avLst/>
-          </a:prstGeom>
-        </p:spPr>
-      </p:pic>
-      <p:pic>
-        <p:nvPicPr>
-          <p:cNvPr id="17" name="Picture 16">
-            <a:extLst>
-              <a:ext uri="{FF2B5EF4-FFF2-40B4-BE49-F238E27FC236}">
-                <a16:creationId xmlns:a16="http://schemas.microsoft.com/office/drawing/2014/main" id="{99A3EB9B-6FE0-4F03-8DD5-B48A0428AB5E}"/>
-              </a:ext>
-            </a:extLst>
-          </p:cNvPr>
-          <p:cNvPicPr>
-            <a:picLocks noChangeAspect="1"/>
-          </p:cNvPicPr>
-          <p:nvPr/>
-        </p:nvPicPr>
-        <p:blipFill>
-          <a:blip r:embed="rId7"/>
-          <a:stretch>
-            <a:fillRect/>
-          </a:stretch>
-        </p:blipFill>
-        <p:spPr>
-          <a:xfrm>
-            <a:off x="1432297" y="3893450"/>
-            <a:ext cx="2200847" cy="1036410"/>
-          </a:xfrm>
-          <a:prstGeom prst="rect">
-            <a:avLst/>
-          </a:prstGeom>
-        </p:spPr>
-      </p:pic>
     </p:spTree>
     <p:extLst>
       <p:ext uri="{BB962C8B-B14F-4D97-AF65-F5344CB8AC3E}">

--- a/images/banner.pptx
+++ b/images/banner.pptx
@@ -104,6 +104,11 @@
       </a:defRPr>
     </a:lvl9pPr>
   </p:defaultTextStyle>
+  <p:extLst>
+    <p:ext uri="{EFAFB233-063F-42B5-8137-9DF3F51BA10A}">
+      <p15:sldGuideLst xmlns:p15="http://schemas.microsoft.com/office/powerpoint/2012/main"/>
+    </p:ext>
+  </p:extLst>
 </p:presentation>
 </file>
 
@@ -256,7 +261,7 @@
           <a:p>
             <a:fld id="{D1D3205E-6E89-443C-B302-4693E120D7F3}" type="datetimeFigureOut">
               <a:rPr lang="en-SG" smtClean="0"/>
-              <a:t>19/1/2020</a:t>
+              <a:t>27/8/2020</a:t>
             </a:fld>
             <a:endParaRPr lang="en-SG"/>
           </a:p>
@@ -456,7 +461,7 @@
           <a:p>
             <a:fld id="{D1D3205E-6E89-443C-B302-4693E120D7F3}" type="datetimeFigureOut">
               <a:rPr lang="en-SG" smtClean="0"/>
-              <a:t>19/1/2020</a:t>
+              <a:t>27/8/2020</a:t>
             </a:fld>
             <a:endParaRPr lang="en-SG"/>
           </a:p>
@@ -666,7 +671,7 @@
           <a:p>
             <a:fld id="{D1D3205E-6E89-443C-B302-4693E120D7F3}" type="datetimeFigureOut">
               <a:rPr lang="en-SG" smtClean="0"/>
-              <a:t>19/1/2020</a:t>
+              <a:t>27/8/2020</a:t>
             </a:fld>
             <a:endParaRPr lang="en-SG"/>
           </a:p>
@@ -866,7 +871,7 @@
           <a:p>
             <a:fld id="{D1D3205E-6E89-443C-B302-4693E120D7F3}" type="datetimeFigureOut">
               <a:rPr lang="en-SG" smtClean="0"/>
-              <a:t>19/1/2020</a:t>
+              <a:t>27/8/2020</a:t>
             </a:fld>
             <a:endParaRPr lang="en-SG"/>
           </a:p>
@@ -1142,7 +1147,7 @@
           <a:p>
             <a:fld id="{D1D3205E-6E89-443C-B302-4693E120D7F3}" type="datetimeFigureOut">
               <a:rPr lang="en-SG" smtClean="0"/>
-              <a:t>19/1/2020</a:t>
+              <a:t>27/8/2020</a:t>
             </a:fld>
             <a:endParaRPr lang="en-SG"/>
           </a:p>
@@ -1410,7 +1415,7 @@
           <a:p>
             <a:fld id="{D1D3205E-6E89-443C-B302-4693E120D7F3}" type="datetimeFigureOut">
               <a:rPr lang="en-SG" smtClean="0"/>
-              <a:t>19/1/2020</a:t>
+              <a:t>27/8/2020</a:t>
             </a:fld>
             <a:endParaRPr lang="en-SG"/>
           </a:p>
@@ -1825,7 +1830,7 @@
           <a:p>
             <a:fld id="{D1D3205E-6E89-443C-B302-4693E120D7F3}" type="datetimeFigureOut">
               <a:rPr lang="en-SG" smtClean="0"/>
-              <a:t>19/1/2020</a:t>
+              <a:t>27/8/2020</a:t>
             </a:fld>
             <a:endParaRPr lang="en-SG"/>
           </a:p>
@@ -1967,7 +1972,7 @@
           <a:p>
             <a:fld id="{D1D3205E-6E89-443C-B302-4693E120D7F3}" type="datetimeFigureOut">
               <a:rPr lang="en-SG" smtClean="0"/>
-              <a:t>19/1/2020</a:t>
+              <a:t>27/8/2020</a:t>
             </a:fld>
             <a:endParaRPr lang="en-SG"/>
           </a:p>
@@ -2080,7 +2085,7 @@
           <a:p>
             <a:fld id="{D1D3205E-6E89-443C-B302-4693E120D7F3}" type="datetimeFigureOut">
               <a:rPr lang="en-SG" smtClean="0"/>
-              <a:t>19/1/2020</a:t>
+              <a:t>27/8/2020</a:t>
             </a:fld>
             <a:endParaRPr lang="en-SG"/>
           </a:p>
@@ -2393,7 +2398,7 @@
           <a:p>
             <a:fld id="{D1D3205E-6E89-443C-B302-4693E120D7F3}" type="datetimeFigureOut">
               <a:rPr lang="en-SG" smtClean="0"/>
-              <a:t>19/1/2020</a:t>
+              <a:t>27/8/2020</a:t>
             </a:fld>
             <a:endParaRPr lang="en-SG"/>
           </a:p>
@@ -2682,7 +2687,7 @@
           <a:p>
             <a:fld id="{D1D3205E-6E89-443C-B302-4693E120D7F3}" type="datetimeFigureOut">
               <a:rPr lang="en-SG" smtClean="0"/>
-              <a:t>19/1/2020</a:t>
+              <a:t>27/8/2020</a:t>
             </a:fld>
             <a:endParaRPr lang="en-SG"/>
           </a:p>
@@ -2925,7 +2930,7 @@
           <a:p>
             <a:fld id="{D1D3205E-6E89-443C-B302-4693E120D7F3}" type="datetimeFigureOut">
               <a:rPr lang="en-SG" smtClean="0"/>
-              <a:t>19/1/2020</a:t>
+              <a:t>27/8/2020</a:t>
             </a:fld>
             <a:endParaRPr lang="en-SG"/>
           </a:p>
@@ -3515,6 +3520,163 @@
           </a:p>
         </p:txBody>
       </p:sp>
+      <p:pic>
+        <p:nvPicPr>
+          <p:cNvPr id="6" name="Picture 5">
+            <a:extLst>
+              <a:ext uri="{FF2B5EF4-FFF2-40B4-BE49-F238E27FC236}">
+                <a16:creationId xmlns:a16="http://schemas.microsoft.com/office/drawing/2014/main" id="{49D3ABC8-63E6-4AB4-ADEC-63D459343A0C}"/>
+              </a:ext>
+            </a:extLst>
+          </p:cNvPr>
+          <p:cNvPicPr>
+            <a:picLocks noChangeAspect="1"/>
+          </p:cNvPicPr>
+          <p:nvPr/>
+        </p:nvPicPr>
+        <p:blipFill rotWithShape="1">
+          <a:blip r:embed="rId2">
+            <a:extLst>
+              <a:ext uri="{28A0092B-C50C-407E-A947-70E740481C1C}">
+                <a14:useLocalDpi xmlns:a14="http://schemas.microsoft.com/office/drawing/2010/main" val="0"/>
+              </a:ext>
+            </a:extLst>
+          </a:blip>
+          <a:srcRect l="43143" r="10867"/>
+          <a:stretch/>
+        </p:blipFill>
+        <p:spPr>
+          <a:xfrm>
+            <a:off x="1287189" y="3439410"/>
+            <a:ext cx="6764612" cy="3010550"/>
+          </a:xfrm>
+          <a:prstGeom prst="rect">
+            <a:avLst/>
+          </a:prstGeom>
+        </p:spPr>
+      </p:pic>
+      <p:sp>
+        <p:nvSpPr>
+          <p:cNvPr id="10" name="Rectangle: Rounded Corners 9">
+            <a:extLst>
+              <a:ext uri="{FF2B5EF4-FFF2-40B4-BE49-F238E27FC236}">
+                <a16:creationId xmlns:a16="http://schemas.microsoft.com/office/drawing/2014/main" id="{DBD2FA7A-2B1D-4764-96B2-4DF5594A9A1C}"/>
+              </a:ext>
+            </a:extLst>
+          </p:cNvPr>
+          <p:cNvSpPr/>
+          <p:nvPr/>
+        </p:nvSpPr>
+        <p:spPr>
+          <a:xfrm>
+            <a:off x="2031714" y="3786825"/>
+            <a:ext cx="2584736" cy="1151510"/>
+          </a:xfrm>
+          <a:prstGeom prst="roundRect">
+            <a:avLst/>
+          </a:prstGeom>
+          <a:solidFill>
+            <a:schemeClr val="bg1">
+              <a:alpha val="50196"/>
+            </a:schemeClr>
+          </a:solidFill>
+        </p:spPr>
+        <p:style>
+          <a:lnRef idx="2">
+            <a:schemeClr val="accent1">
+              <a:shade val="50000"/>
+            </a:schemeClr>
+          </a:lnRef>
+          <a:fillRef idx="1">
+            <a:schemeClr val="accent1"/>
+          </a:fillRef>
+          <a:effectRef idx="0">
+            <a:schemeClr val="accent1"/>
+          </a:effectRef>
+          <a:fontRef idx="minor">
+            <a:schemeClr val="lt1"/>
+          </a:fontRef>
+        </p:style>
+        <p:txBody>
+          <a:bodyPr rtlCol="0" anchor="ctr"/>
+          <a:lstStyle/>
+          <a:p>
+            <a:pPr algn="ctr"/>
+            <a:endParaRPr lang="en-SG"/>
+          </a:p>
+        </p:txBody>
+      </p:sp>
+      <p:pic>
+        <p:nvPicPr>
+          <p:cNvPr id="11" name="Picture 10">
+            <a:extLst>
+              <a:ext uri="{FF2B5EF4-FFF2-40B4-BE49-F238E27FC236}">
+                <a16:creationId xmlns:a16="http://schemas.microsoft.com/office/drawing/2014/main" id="{C50E912B-4A93-4BAE-A91D-5A289117CDC2}"/>
+              </a:ext>
+            </a:extLst>
+          </p:cNvPr>
+          <p:cNvPicPr>
+            <a:picLocks noChangeAspect="1"/>
+          </p:cNvPicPr>
+          <p:nvPr/>
+        </p:nvPicPr>
+        <p:blipFill rotWithShape="1">
+          <a:blip r:embed="rId3">
+            <a:extLst>
+              <a:ext uri="{28A0092B-C50C-407E-A947-70E740481C1C}">
+                <a14:useLocalDpi xmlns:a14="http://schemas.microsoft.com/office/drawing/2010/main" val="0"/>
+              </a:ext>
+            </a:extLst>
+          </a:blip>
+          <a:srcRect l="6772" b="36242"/>
+          <a:stretch/>
+        </p:blipFill>
+        <p:spPr>
+          <a:xfrm>
+            <a:off x="1982375" y="3600854"/>
+            <a:ext cx="1844594" cy="1261489"/>
+          </a:xfrm>
+          <a:prstGeom prst="rect">
+            <a:avLst/>
+          </a:prstGeom>
+        </p:spPr>
+      </p:pic>
+      <p:pic>
+        <p:nvPicPr>
+          <p:cNvPr id="3" name="Picture 2">
+            <a:extLst>
+              <a:ext uri="{FF2B5EF4-FFF2-40B4-BE49-F238E27FC236}">
+                <a16:creationId xmlns:a16="http://schemas.microsoft.com/office/drawing/2014/main" id="{94FCCEF5-2672-4927-B1B8-2BBF9EDD43DC}"/>
+              </a:ext>
+            </a:extLst>
+          </p:cNvPr>
+          <p:cNvPicPr>
+            <a:picLocks noChangeAspect="1"/>
+          </p:cNvPicPr>
+          <p:nvPr/>
+        </p:nvPicPr>
+        <p:blipFill>
+          <a:blip r:embed="rId4">
+            <a:extLst>
+              <a:ext uri="{28A0092B-C50C-407E-A947-70E740481C1C}">
+                <a14:useLocalDpi xmlns:a14="http://schemas.microsoft.com/office/drawing/2010/main" val="0"/>
+              </a:ext>
+            </a:extLst>
+          </a:blip>
+          <a:stretch>
+            <a:fillRect/>
+          </a:stretch>
+        </p:blipFill>
+        <p:spPr>
+          <a:xfrm>
+            <a:off x="3606846" y="3897351"/>
+            <a:ext cx="964648" cy="964992"/>
+          </a:xfrm>
+          <a:prstGeom prst="rect">
+            <a:avLst/>
+          </a:prstGeom>
+        </p:spPr>
+      </p:pic>
     </p:spTree>
     <p:extLst>
       <p:ext uri="{BB962C8B-B14F-4D97-AF65-F5344CB8AC3E}">
